--- a/NCP4390 - VPEC/Deciphering LLC charge mode controller implementation (NCP4390.pptx
+++ b/NCP4390 - VPEC/Deciphering LLC charge mode controller implementation (NCP4390.pptx
@@ -8747,6 +8747,61 @@
           </a:ln>
         </p:spPr>
       </p:pic>
+      <p:pic>
+        <p:nvPicPr>
+          <p:cNvPr id="3" name="Picture 2" descr="qr-code"/>
+          <p:cNvPicPr>
+            <a:picLocks noChangeAspect="1"/>
+          </p:cNvPicPr>
+          <p:nvPr/>
+        </p:nvPicPr>
+        <p:blipFill>
+          <a:blip r:embed="rId4"/>
+          <a:stretch>
+            <a:fillRect/>
+          </a:stretch>
+        </p:blipFill>
+        <p:spPr>
+          <a:xfrm>
+            <a:off x="257810" y="3453130"/>
+            <a:ext cx="2831465" cy="2831465"/>
+          </a:xfrm>
+          <a:prstGeom prst="rect">
+            <a:avLst/>
+          </a:prstGeom>
+        </p:spPr>
+      </p:pic>
+      <p:sp>
+        <p:nvSpPr>
+          <p:cNvPr id="4" name="Text Box 3"/>
+          <p:cNvSpPr txBox="1"/>
+          <p:nvPr/>
+        </p:nvSpPr>
+        <p:spPr>
+          <a:xfrm>
+            <a:off x="309880" y="6284595"/>
+            <a:ext cx="8704580" cy="368300"/>
+          </a:xfrm>
+          <a:prstGeom prst="rect">
+            <a:avLst/>
+          </a:prstGeom>
+          <a:noFill/>
+        </p:spPr>
+        <p:txBody>
+          <a:bodyPr wrap="square" rtlCol="0" anchor="t">
+            <a:spAutoFit/>
+          </a:bodyPr>
+          <a:p>
+            <a:r>
+              <a:rPr lang="en-US">
+                <a:hlinkClick r:id="rId5" tooltip="" action="ppaction://hlinkfile"/>
+              </a:rPr>
+              <a:t>https://github.com/physicboy/QSPICE/tree/main/NCP4390%20-%20VPEC</a:t>
+            </a:r>
+            <a:endParaRPr lang="en-US"/>
+          </a:p>
+        </p:txBody>
+      </p:sp>
     </p:spTree>
   </p:cSld>
   <p:clrMapOvr>
